--- a/Productividad y negocio/00 - Agenda.pptx
+++ b/Productividad y negocio/00 - Agenda.pptx
@@ -21,13 +21,13 @@
   <p:notesSz cx="6858000" cy="9144000"/>
   <p:embeddedFontLst>
     <p:embeddedFont>
-      <p:font typeface="Rabiohead" panose="020B0604020202020204" charset="0"/>
+      <p:font typeface="Segoe UI Light" panose="020B0502040204020203" pitchFamily="34" charset="0"/>
       <p:regular r:id="rId11"/>
+      <p:italic r:id="rId12"/>
     </p:embeddedFont>
     <p:embeddedFont>
-      <p:font typeface="Segoe UI Light" panose="020B0502040204020203" pitchFamily="34" charset="0"/>
-      <p:regular r:id="rId12"/>
-      <p:italic r:id="rId13"/>
+      <p:font typeface="Rabiohead" panose="020B0604020202020204" charset="0"/>
+      <p:regular r:id="rId13"/>
     </p:embeddedFont>
     <p:embeddedFont>
       <p:font typeface="Calibri" panose="020F0502020204030204" pitchFamily="34" charset="0"/>
@@ -233,7 +233,7 @@
           <a:p>
             <a:fld id="{E648595D-823D-4C13-AB03-2A799184915F}" type="datetimeFigureOut">
               <a:rPr lang="es-ES" smtClean="0"/>
-              <a:t>07/06/2015</a:t>
+              <a:t>08/06/2015</a:t>
             </a:fld>
             <a:endParaRPr lang="es-ES"/>
           </a:p>
@@ -392,7 +392,7 @@
           <a:p>
             <a:fld id="{3D2FE2D7-9CB1-440F-9723-FCBAAF2E974A}" type="slidenum">
               <a:rPr lang="es-ES" smtClean="0"/>
-              <a:t>‹#›</a:t>
+              <a:t>‹Nº›</a:t>
             </a:fld>
             <a:endParaRPr lang="es-ES"/>
           </a:p>
@@ -5393,13 +5393,13 @@
   <p:clrMapOvr>
     <a:masterClrMapping/>
   </p:clrMapOvr>
-  <mc:AlternateContent xmlns:mc="http://schemas.openxmlformats.org/markup-compatibility/2006">
-    <mc:Choice xmlns:p14="http://schemas.microsoft.com/office/powerpoint/2010/main" Requires="p14">
+  <mc:AlternateContent xmlns:mc="http://schemas.openxmlformats.org/markup-compatibility/2006" xmlns:p14="http://schemas.microsoft.com/office/powerpoint/2010/main">
+    <mc:Choice Requires="p14">
       <p:transition spd="slow" p14:dur="2000">
         <p14:prism isContent="1"/>
       </p:transition>
     </mc:Choice>
-    <mc:Fallback>
+    <mc:Fallback xmlns="">
       <p:transition spd="slow">
         <p:fade/>
       </p:transition>
@@ -5888,23 +5888,15 @@
             </a:r>
             <a:r>
               <a:rPr lang="es-ES" dirty="0"/>
-              <a:t>- </a:t>
-            </a:r>
-            <a:r>
-              <a:rPr lang="es-ES" dirty="0" smtClean="0"/>
-              <a:t>Diseñando </a:t>
-            </a:r>
-            <a:r>
-              <a:rPr lang="es-ES" dirty="0"/>
-              <a:t>un portal de gestión de la </a:t>
-            </a:r>
-            <a:r>
-              <a:rPr lang="es-ES" dirty="0" smtClean="0"/>
-              <a:t>calidad </a:t>
+              <a:t>- Diseñando un centro documental </a:t>
             </a:r>
             <a:r>
               <a:rPr lang="es-ES" b="1" dirty="0" smtClean="0"/>
-              <a:t>15:10 – 16:00</a:t>
+              <a:t>15:10 </a:t>
+            </a:r>
+            <a:r>
+              <a:rPr lang="es-ES" b="1" dirty="0" smtClean="0"/>
+              <a:t>– 16:00</a:t>
             </a:r>
           </a:p>
           <a:p>
@@ -5917,16 +5909,8 @@
               <a:t>- </a:t>
             </a:r>
             <a:r>
-              <a:rPr lang="es-ES" dirty="0" smtClean="0"/>
-              <a:t>Diseñando </a:t>
-            </a:r>
-            <a:r>
               <a:rPr lang="es-ES" dirty="0"/>
-              <a:t>un centro </a:t>
-            </a:r>
-            <a:r>
-              <a:rPr lang="es-ES" dirty="0" smtClean="0"/>
-              <a:t>documental </a:t>
+              <a:t>Gestión de procesos corporativos usando el motor de flujos de trabajo de SharePoint </a:t>
             </a:r>
             <a:r>
               <a:rPr lang="es-ES" b="1" dirty="0" smtClean="0"/>
@@ -5993,21 +5977,14 @@
               <a:t>- </a:t>
             </a:r>
             <a:r>
-              <a:rPr lang="es-ES" dirty="0" smtClean="0"/>
-              <a:t>Gestión </a:t>
-            </a:r>
-            <a:r>
               <a:rPr lang="es-ES" dirty="0"/>
-              <a:t>de procesos corporativos usando el motor de flujos de trabajo de </a:t>
-            </a:r>
-            <a:r>
-              <a:rPr lang="es-ES" dirty="0" smtClean="0"/>
-              <a:t>SharePoint </a:t>
+              <a:t>Diseñando un portal de gestión de la calidad </a:t>
             </a:r>
             <a:r>
               <a:rPr lang="es-ES" b="1" dirty="0" smtClean="0"/>
               <a:t>18:15-19:15</a:t>
             </a:r>
+            <a:endParaRPr lang="es-ES" b="1" dirty="0" smtClean="0"/>
           </a:p>
           <a:p>
             <a:r>

--- a/Productividad y negocio/00 - Agenda.pptx
+++ b/Productividad y negocio/00 - Agenda.pptx
@@ -5892,11 +5892,7 @@
             </a:r>
             <a:r>
               <a:rPr lang="es-ES" b="1" dirty="0" smtClean="0"/>
-              <a:t>15:10 </a:t>
-            </a:r>
-            <a:r>
-              <a:rPr lang="es-ES" b="1" dirty="0" smtClean="0"/>
-              <a:t>– 16:00</a:t>
+              <a:t>15:10 – 16:00</a:t>
             </a:r>
           </a:p>
           <a:p>
@@ -5906,11 +5902,7 @@
             </a:r>
             <a:r>
               <a:rPr lang="es-ES" dirty="0"/>
-              <a:t>- </a:t>
-            </a:r>
-            <a:r>
-              <a:rPr lang="es-ES" dirty="0"/>
-              <a:t>Gestión de procesos corporativos usando el motor de flujos de trabajo de SharePoint </a:t>
+              <a:t>- Gestión de procesos corporativos usando el motor de flujos de trabajo de SharePoint </a:t>
             </a:r>
             <a:r>
               <a:rPr lang="es-ES" b="1" dirty="0" smtClean="0"/>
@@ -5963,7 +5955,15 @@
           <a:p>
             <a:r>
               <a:rPr lang="es-ES" b="1" dirty="0" smtClean="0"/>
-              <a:t>Descanso 17:45 – 18:15</a:t>
+              <a:t>Descanso 17:45 </a:t>
+            </a:r>
+            <a:r>
+              <a:rPr lang="es-ES" b="1" smtClean="0"/>
+              <a:t>– </a:t>
+            </a:r>
+            <a:r>
+              <a:rPr lang="es-ES" b="1" smtClean="0"/>
+              <a:t>18:15  5.30- 6.00</a:t>
             </a:r>
             <a:endParaRPr lang="es-ES" dirty="0" smtClean="0"/>
           </a:p>
@@ -5974,17 +5974,12 @@
             </a:r>
             <a:r>
               <a:rPr lang="es-ES" dirty="0"/>
-              <a:t>- </a:t>
-            </a:r>
-            <a:r>
-              <a:rPr lang="es-ES" dirty="0"/>
-              <a:t>Diseñando un portal de gestión de la calidad </a:t>
+              <a:t>- Diseñando un portal de gestión de la calidad </a:t>
             </a:r>
             <a:r>
               <a:rPr lang="es-ES" b="1" dirty="0" smtClean="0"/>
               <a:t>18:15-19:15</a:t>
             </a:r>
-            <a:endParaRPr lang="es-ES" b="1" dirty="0" smtClean="0"/>
           </a:p>
           <a:p>
             <a:r>
